--- a/DS_Sat_2019/DS-Day-13 R.pptx
+++ b/DS_Sat_2019/DS-Day-13 R.pptx
@@ -199,7 +199,7 @@
           <a:p>
             <a:fld id="{22783AA6-C1EF-448D-A48A-EF30DCBEFCCC}" type="datetimeFigureOut">
               <a:rPr lang="en-US" smtClean="0"/>
-              <a:t>11/23/19</a:t>
+              <a:t>11/30/19</a:t>
             </a:fld>
             <a:endParaRPr lang="en-US"/>
           </a:p>
@@ -915,7 +915,7 @@
           <a:p>
             <a:fld id="{C14F4D0B-68E4-4C14-BD4D-319F9BD213A3}" type="datetimeFigureOut">
               <a:rPr lang="ru-RU" smtClean="0"/>
-              <a:t>23.11.2019</a:t>
+              <a:t>30.11.2019</a:t>
             </a:fld>
             <a:endParaRPr lang="ru-RU"/>
           </a:p>
@@ -1085,7 +1085,7 @@
           <a:p>
             <a:fld id="{C14F4D0B-68E4-4C14-BD4D-319F9BD213A3}" type="datetimeFigureOut">
               <a:rPr lang="ru-RU" smtClean="0"/>
-              <a:t>23.11.2019</a:t>
+              <a:t>30.11.2019</a:t>
             </a:fld>
             <a:endParaRPr lang="ru-RU"/>
           </a:p>
@@ -1265,7 +1265,7 @@
           <a:p>
             <a:fld id="{C14F4D0B-68E4-4C14-BD4D-319F9BD213A3}" type="datetimeFigureOut">
               <a:rPr lang="ru-RU" smtClean="0"/>
-              <a:t>23.11.2019</a:t>
+              <a:t>30.11.2019</a:t>
             </a:fld>
             <a:endParaRPr lang="ru-RU"/>
           </a:p>
@@ -1435,7 +1435,7 @@
           <a:p>
             <a:fld id="{C14F4D0B-68E4-4C14-BD4D-319F9BD213A3}" type="datetimeFigureOut">
               <a:rPr lang="ru-RU" smtClean="0"/>
-              <a:t>23.11.2019</a:t>
+              <a:t>30.11.2019</a:t>
             </a:fld>
             <a:endParaRPr lang="ru-RU"/>
           </a:p>
@@ -1686,7 +1686,7 @@
           <a:p>
             <a:fld id="{C14F4D0B-68E4-4C14-BD4D-319F9BD213A3}" type="datetimeFigureOut">
               <a:rPr lang="ru-RU" smtClean="0"/>
-              <a:t>23.11.2019</a:t>
+              <a:t>30.11.2019</a:t>
             </a:fld>
             <a:endParaRPr lang="ru-RU"/>
           </a:p>
@@ -1918,7 +1918,7 @@
           <a:p>
             <a:fld id="{C14F4D0B-68E4-4C14-BD4D-319F9BD213A3}" type="datetimeFigureOut">
               <a:rPr lang="ru-RU" smtClean="0"/>
-              <a:t>23.11.2019</a:t>
+              <a:t>30.11.2019</a:t>
             </a:fld>
             <a:endParaRPr lang="ru-RU"/>
           </a:p>
@@ -2265,7 +2265,7 @@
           <a:p>
             <a:fld id="{C14F4D0B-68E4-4C14-BD4D-319F9BD213A3}" type="datetimeFigureOut">
               <a:rPr lang="ru-RU" smtClean="0"/>
-              <a:t>23.11.2019</a:t>
+              <a:t>30.11.2019</a:t>
             </a:fld>
             <a:endParaRPr lang="ru-RU"/>
           </a:p>
@@ -2383,7 +2383,7 @@
           <a:p>
             <a:fld id="{C14F4D0B-68E4-4C14-BD4D-319F9BD213A3}" type="datetimeFigureOut">
               <a:rPr lang="ru-RU" smtClean="0"/>
-              <a:t>23.11.2019</a:t>
+              <a:t>30.11.2019</a:t>
             </a:fld>
             <a:endParaRPr lang="ru-RU"/>
           </a:p>
@@ -2501,7 +2501,7 @@
           <a:p>
             <a:fld id="{C14F4D0B-68E4-4C14-BD4D-319F9BD213A3}" type="datetimeFigureOut">
               <a:rPr lang="ru-RU" smtClean="0"/>
-              <a:t>23.11.2019</a:t>
+              <a:t>30.11.2019</a:t>
             </a:fld>
             <a:endParaRPr lang="ru-RU"/>
           </a:p>
@@ -2785,7 +2785,7 @@
           <a:p>
             <a:fld id="{C14F4D0B-68E4-4C14-BD4D-319F9BD213A3}" type="datetimeFigureOut">
               <a:rPr lang="ru-RU" smtClean="0"/>
-              <a:t>23.11.2019</a:t>
+              <a:t>30.11.2019</a:t>
             </a:fld>
             <a:endParaRPr lang="ru-RU"/>
           </a:p>
@@ -3049,7 +3049,7 @@
           <a:p>
             <a:fld id="{C14F4D0B-68E4-4C14-BD4D-319F9BD213A3}" type="datetimeFigureOut">
               <a:rPr lang="ru-RU" smtClean="0"/>
-              <a:t>23.11.2019</a:t>
+              <a:t>30.11.2019</a:t>
             </a:fld>
             <a:endParaRPr lang="ru-RU"/>
           </a:p>
@@ -3263,7 +3263,7 @@
           <a:p>
             <a:fld id="{C14F4D0B-68E4-4C14-BD4D-319F9BD213A3}" type="datetimeFigureOut">
               <a:rPr lang="ru-RU" smtClean="0"/>
-              <a:t>23.11.2019</a:t>
+              <a:t>30.11.2019</a:t>
             </a:fld>
             <a:endParaRPr lang="ru-RU"/>
           </a:p>
@@ -4667,7 +4667,7 @@
             </a:r>
             <a:r>
               <a:rPr lang="en-US" sz="2000" dirty="0"/>
-              <a:t>Day13</a:t>
+              <a:t>Day13b</a:t>
             </a:r>
             <a:r>
               <a:rPr lang="ru-RU" sz="2000" dirty="0"/>
